--- a/Documents/Dazzelite_Blocks_UP.pptx
+++ b/Documents/Dazzelite_Blocks_UP.pptx
@@ -254,7 +254,7 @@
           <a:p>
             <a:fld id="{784774D6-A820-4664-B7F3-FEBCDABB19A5}" type="datetimeFigureOut">
               <a:rPr lang="en-US" smtClean="0"/>
-              <a:t>11/23/2020</a:t>
+              <a:t>2/12/2021</a:t>
             </a:fld>
             <a:endParaRPr lang="en-US"/>
           </a:p>
@@ -424,7 +424,7 @@
           <a:p>
             <a:fld id="{784774D6-A820-4664-B7F3-FEBCDABB19A5}" type="datetimeFigureOut">
               <a:rPr lang="en-US" smtClean="0"/>
-              <a:t>11/23/2020</a:t>
+              <a:t>2/12/2021</a:t>
             </a:fld>
             <a:endParaRPr lang="en-US"/>
           </a:p>
@@ -604,7 +604,7 @@
           <a:p>
             <a:fld id="{784774D6-A820-4664-B7F3-FEBCDABB19A5}" type="datetimeFigureOut">
               <a:rPr lang="en-US" smtClean="0"/>
-              <a:t>11/23/2020</a:t>
+              <a:t>2/12/2021</a:t>
             </a:fld>
             <a:endParaRPr lang="en-US"/>
           </a:p>
@@ -774,7 +774,7 @@
           <a:p>
             <a:fld id="{784774D6-A820-4664-B7F3-FEBCDABB19A5}" type="datetimeFigureOut">
               <a:rPr lang="en-US" smtClean="0"/>
-              <a:t>11/23/2020</a:t>
+              <a:t>2/12/2021</a:t>
             </a:fld>
             <a:endParaRPr lang="en-US"/>
           </a:p>
@@ -1018,7 +1018,7 @@
           <a:p>
             <a:fld id="{784774D6-A820-4664-B7F3-FEBCDABB19A5}" type="datetimeFigureOut">
               <a:rPr lang="en-US" smtClean="0"/>
-              <a:t>11/23/2020</a:t>
+              <a:t>2/12/2021</a:t>
             </a:fld>
             <a:endParaRPr lang="en-US"/>
           </a:p>
@@ -1250,7 +1250,7 @@
           <a:p>
             <a:fld id="{784774D6-A820-4664-B7F3-FEBCDABB19A5}" type="datetimeFigureOut">
               <a:rPr lang="en-US" smtClean="0"/>
-              <a:t>11/23/2020</a:t>
+              <a:t>2/12/2021</a:t>
             </a:fld>
             <a:endParaRPr lang="en-US"/>
           </a:p>
@@ -1617,7 +1617,7 @@
           <a:p>
             <a:fld id="{784774D6-A820-4664-B7F3-FEBCDABB19A5}" type="datetimeFigureOut">
               <a:rPr lang="en-US" smtClean="0"/>
-              <a:t>11/23/2020</a:t>
+              <a:t>2/12/2021</a:t>
             </a:fld>
             <a:endParaRPr lang="en-US"/>
           </a:p>
@@ -1735,7 +1735,7 @@
           <a:p>
             <a:fld id="{784774D6-A820-4664-B7F3-FEBCDABB19A5}" type="datetimeFigureOut">
               <a:rPr lang="en-US" smtClean="0"/>
-              <a:t>11/23/2020</a:t>
+              <a:t>2/12/2021</a:t>
             </a:fld>
             <a:endParaRPr lang="en-US"/>
           </a:p>
@@ -1830,7 +1830,7 @@
           <a:p>
             <a:fld id="{784774D6-A820-4664-B7F3-FEBCDABB19A5}" type="datetimeFigureOut">
               <a:rPr lang="en-US" smtClean="0"/>
-              <a:t>11/23/2020</a:t>
+              <a:t>2/12/2021</a:t>
             </a:fld>
             <a:endParaRPr lang="en-US"/>
           </a:p>
@@ -2107,7 +2107,7 @@
           <a:p>
             <a:fld id="{784774D6-A820-4664-B7F3-FEBCDABB19A5}" type="datetimeFigureOut">
               <a:rPr lang="en-US" smtClean="0"/>
-              <a:t>11/23/2020</a:t>
+              <a:t>2/12/2021</a:t>
             </a:fld>
             <a:endParaRPr lang="en-US"/>
           </a:p>
@@ -2364,7 +2364,7 @@
           <a:p>
             <a:fld id="{784774D6-A820-4664-B7F3-FEBCDABB19A5}" type="datetimeFigureOut">
               <a:rPr lang="en-US" smtClean="0"/>
-              <a:t>11/23/2020</a:t>
+              <a:t>2/12/2021</a:t>
             </a:fld>
             <a:endParaRPr lang="en-US"/>
           </a:p>
@@ -2577,7 +2577,7 @@
           <a:p>
             <a:fld id="{784774D6-A820-4664-B7F3-FEBCDABB19A5}" type="datetimeFigureOut">
               <a:rPr lang="en-US" smtClean="0"/>
-              <a:t>11/23/2020</a:t>
+              <a:t>2/12/2021</a:t>
             </a:fld>
             <a:endParaRPr lang="en-US"/>
           </a:p>
@@ -3719,8 +3719,8 @@
         </p:nvSpPr>
         <p:spPr>
           <a:xfrm>
-            <a:off x="2323674" y="1577354"/>
-            <a:ext cx="1097728" cy="264367"/>
+            <a:off x="2323674" y="1577355"/>
+            <a:ext cx="921010" cy="250454"/>
           </a:xfrm>
           <a:prstGeom prst="rect">
             <a:avLst/>
@@ -3887,8 +3887,8 @@
         </p:nvCxnSpPr>
         <p:spPr>
           <a:xfrm rot="16200000" flipH="1">
-            <a:off x="1981839" y="1367703"/>
-            <a:ext cx="433678" cy="249991"/>
+            <a:off x="1985317" y="1364225"/>
+            <a:ext cx="426722" cy="249992"/>
           </a:xfrm>
           <a:prstGeom prst="bentConnector2">
             <a:avLst/>

--- a/Documents/Dazzelite_Blocks_UP.pptx
+++ b/Documents/Dazzelite_Blocks_UP.pptx
@@ -254,7 +254,7 @@
           <a:p>
             <a:fld id="{784774D6-A820-4664-B7F3-FEBCDABB19A5}" type="datetimeFigureOut">
               <a:rPr lang="en-US" smtClean="0"/>
-              <a:t>2/12/2021</a:t>
+              <a:t>2/15/2021</a:t>
             </a:fld>
             <a:endParaRPr lang="en-US"/>
           </a:p>
@@ -424,7 +424,7 @@
           <a:p>
             <a:fld id="{784774D6-A820-4664-B7F3-FEBCDABB19A5}" type="datetimeFigureOut">
               <a:rPr lang="en-US" smtClean="0"/>
-              <a:t>2/12/2021</a:t>
+              <a:t>2/15/2021</a:t>
             </a:fld>
             <a:endParaRPr lang="en-US"/>
           </a:p>
@@ -604,7 +604,7 @@
           <a:p>
             <a:fld id="{784774D6-A820-4664-B7F3-FEBCDABB19A5}" type="datetimeFigureOut">
               <a:rPr lang="en-US" smtClean="0"/>
-              <a:t>2/12/2021</a:t>
+              <a:t>2/15/2021</a:t>
             </a:fld>
             <a:endParaRPr lang="en-US"/>
           </a:p>
@@ -774,7 +774,7 @@
           <a:p>
             <a:fld id="{784774D6-A820-4664-B7F3-FEBCDABB19A5}" type="datetimeFigureOut">
               <a:rPr lang="en-US" smtClean="0"/>
-              <a:t>2/12/2021</a:t>
+              <a:t>2/15/2021</a:t>
             </a:fld>
             <a:endParaRPr lang="en-US"/>
           </a:p>
@@ -1018,7 +1018,7 @@
           <a:p>
             <a:fld id="{784774D6-A820-4664-B7F3-FEBCDABB19A5}" type="datetimeFigureOut">
               <a:rPr lang="en-US" smtClean="0"/>
-              <a:t>2/12/2021</a:t>
+              <a:t>2/15/2021</a:t>
             </a:fld>
             <a:endParaRPr lang="en-US"/>
           </a:p>
@@ -1250,7 +1250,7 @@
           <a:p>
             <a:fld id="{784774D6-A820-4664-B7F3-FEBCDABB19A5}" type="datetimeFigureOut">
               <a:rPr lang="en-US" smtClean="0"/>
-              <a:t>2/12/2021</a:t>
+              <a:t>2/15/2021</a:t>
             </a:fld>
             <a:endParaRPr lang="en-US"/>
           </a:p>
@@ -1617,7 +1617,7 @@
           <a:p>
             <a:fld id="{784774D6-A820-4664-B7F3-FEBCDABB19A5}" type="datetimeFigureOut">
               <a:rPr lang="en-US" smtClean="0"/>
-              <a:t>2/12/2021</a:t>
+              <a:t>2/15/2021</a:t>
             </a:fld>
             <a:endParaRPr lang="en-US"/>
           </a:p>
@@ -1735,7 +1735,7 @@
           <a:p>
             <a:fld id="{784774D6-A820-4664-B7F3-FEBCDABB19A5}" type="datetimeFigureOut">
               <a:rPr lang="en-US" smtClean="0"/>
-              <a:t>2/12/2021</a:t>
+              <a:t>2/15/2021</a:t>
             </a:fld>
             <a:endParaRPr lang="en-US"/>
           </a:p>
@@ -1830,7 +1830,7 @@
           <a:p>
             <a:fld id="{784774D6-A820-4664-B7F3-FEBCDABB19A5}" type="datetimeFigureOut">
               <a:rPr lang="en-US" smtClean="0"/>
-              <a:t>2/12/2021</a:t>
+              <a:t>2/15/2021</a:t>
             </a:fld>
             <a:endParaRPr lang="en-US"/>
           </a:p>
@@ -2107,7 +2107,7 @@
           <a:p>
             <a:fld id="{784774D6-A820-4664-B7F3-FEBCDABB19A5}" type="datetimeFigureOut">
               <a:rPr lang="en-US" smtClean="0"/>
-              <a:t>2/12/2021</a:t>
+              <a:t>2/15/2021</a:t>
             </a:fld>
             <a:endParaRPr lang="en-US"/>
           </a:p>
@@ -2364,7 +2364,7 @@
           <a:p>
             <a:fld id="{784774D6-A820-4664-B7F3-FEBCDABB19A5}" type="datetimeFigureOut">
               <a:rPr lang="en-US" smtClean="0"/>
-              <a:t>2/12/2021</a:t>
+              <a:t>2/15/2021</a:t>
             </a:fld>
             <a:endParaRPr lang="en-US"/>
           </a:p>
@@ -2577,7 +2577,7 @@
           <a:p>
             <a:fld id="{784774D6-A820-4664-B7F3-FEBCDABB19A5}" type="datetimeFigureOut">
               <a:rPr lang="en-US" smtClean="0"/>
-              <a:t>2/12/2021</a:t>
+              <a:t>2/15/2021</a:t>
             </a:fld>
             <a:endParaRPr lang="en-US"/>
           </a:p>
@@ -3052,7 +3052,7 @@
         <p:spPr>
           <a:xfrm>
             <a:off x="1411816" y="4625220"/>
-            <a:ext cx="922019" cy="276999"/>
+            <a:ext cx="794261" cy="276999"/>
           </a:xfrm>
           <a:prstGeom prst="rect">
             <a:avLst/>
@@ -3109,8 +3109,8 @@
         </p:nvSpPr>
         <p:spPr>
           <a:xfrm>
-            <a:off x="1411817" y="5225485"/>
-            <a:ext cx="922019" cy="276999"/>
+            <a:off x="1411818" y="5225485"/>
+            <a:ext cx="789962" cy="276999"/>
           </a:xfrm>
           <a:prstGeom prst="rect">
             <a:avLst/>
@@ -3283,8 +3283,8 @@
         </p:nvSpPr>
         <p:spPr>
           <a:xfrm>
-            <a:off x="1411817" y="4026523"/>
-            <a:ext cx="922019" cy="276999"/>
+            <a:off x="1411818" y="4026523"/>
+            <a:ext cx="789962" cy="276999"/>
           </a:xfrm>
           <a:prstGeom prst="rect">
             <a:avLst/>
@@ -3594,7 +3594,7 @@
         <p:spPr>
           <a:xfrm>
             <a:off x="1407518" y="3424124"/>
-            <a:ext cx="922019" cy="276999"/>
+            <a:ext cx="794261" cy="276999"/>
           </a:xfrm>
           <a:prstGeom prst="rect">
             <a:avLst/>
@@ -4357,6 +4357,7 @@
             </a:extLst>
           </p:cNvPr>
           <p:cNvCxnSpPr>
+            <a:cxnSpLocks/>
             <a:stCxn id="23" idx="1"/>
           </p:cNvCxnSpPr>
           <p:nvPr/>
@@ -4402,14 +4403,15 @@
             </a:extLst>
           </p:cNvPr>
           <p:cNvCxnSpPr>
+            <a:cxnSpLocks/>
             <a:stCxn id="18" idx="1"/>
           </p:cNvCxnSpPr>
           <p:nvPr/>
         </p:nvCxnSpPr>
         <p:spPr>
           <a:xfrm flipH="1" flipV="1">
-            <a:off x="1138766" y="4159250"/>
-            <a:ext cx="273051" cy="5773"/>
+            <a:off x="1138768" y="4159251"/>
+            <a:ext cx="273050" cy="5772"/>
           </a:xfrm>
           <a:prstGeom prst="straightConnector1">
             <a:avLst/>
@@ -4447,14 +4449,15 @@
             </a:extLst>
           </p:cNvPr>
           <p:cNvCxnSpPr>
+            <a:cxnSpLocks/>
             <a:stCxn id="13" idx="1"/>
           </p:cNvCxnSpPr>
           <p:nvPr/>
         </p:nvCxnSpPr>
         <p:spPr>
-          <a:xfrm flipH="1" flipV="1">
-            <a:off x="1138766" y="4763719"/>
-            <a:ext cx="273050" cy="1"/>
+          <a:xfrm flipH="1">
+            <a:off x="1138766" y="4763720"/>
+            <a:ext cx="273050" cy="0"/>
           </a:xfrm>
           <a:prstGeom prst="straightConnector1">
             <a:avLst/>
@@ -4492,14 +4495,15 @@
             </a:extLst>
           </p:cNvPr>
           <p:cNvCxnSpPr>
+            <a:cxnSpLocks/>
             <a:stCxn id="14" idx="1"/>
           </p:cNvCxnSpPr>
           <p:nvPr/>
         </p:nvCxnSpPr>
         <p:spPr>
           <a:xfrm flipH="1">
-            <a:off x="1138766" y="5363985"/>
-            <a:ext cx="273051" cy="8115"/>
+            <a:off x="1138768" y="5363985"/>
+            <a:ext cx="273050" cy="8115"/>
           </a:xfrm>
           <a:prstGeom prst="straightConnector1">
             <a:avLst/>
@@ -5924,6 +5928,463 @@
             <a:solidFill>
               <a:schemeClr val="tx1"/>
             </a:solidFill>
+            <a:tailEnd type="triangle"/>
+          </a:ln>
+        </p:spPr>
+        <p:style>
+          <a:lnRef idx="1">
+            <a:schemeClr val="accent1"/>
+          </a:lnRef>
+          <a:fillRef idx="0">
+            <a:schemeClr val="accent1"/>
+          </a:fillRef>
+          <a:effectRef idx="0">
+            <a:schemeClr val="accent1"/>
+          </a:effectRef>
+          <a:fontRef idx="minor">
+            <a:schemeClr val="tx1"/>
+          </a:fontRef>
+        </p:style>
+      </p:cxnSp>
+      <p:sp>
+        <p:nvSpPr>
+          <p:cNvPr id="74" name="Rectangle 73">
+            <a:extLst>
+              <a:ext uri="{FF2B5EF4-FFF2-40B4-BE49-F238E27FC236}">
+                <a16:creationId xmlns:a16="http://schemas.microsoft.com/office/drawing/2014/main" id="{60F50135-10DA-4830-B4A1-C6FF0ADCAE72}"/>
+              </a:ext>
+            </a:extLst>
+          </p:cNvPr>
+          <p:cNvSpPr/>
+          <p:nvPr/>
+        </p:nvSpPr>
+        <p:spPr>
+          <a:xfrm>
+            <a:off x="2729894" y="3427189"/>
+            <a:ext cx="655891" cy="276999"/>
+          </a:xfrm>
+          <a:prstGeom prst="rect">
+            <a:avLst/>
+          </a:prstGeom>
+          <a:solidFill>
+            <a:schemeClr val="bg1">
+              <a:lumMod val="95000"/>
+            </a:schemeClr>
+          </a:solidFill>
+        </p:spPr>
+        <p:style>
+          <a:lnRef idx="2">
+            <a:schemeClr val="accent1">
+              <a:shade val="50000"/>
+            </a:schemeClr>
+          </a:lnRef>
+          <a:fillRef idx="1">
+            <a:schemeClr val="accent1"/>
+          </a:fillRef>
+          <a:effectRef idx="0">
+            <a:schemeClr val="accent1"/>
+          </a:effectRef>
+          <a:fontRef idx="minor">
+            <a:schemeClr val="lt1"/>
+          </a:fontRef>
+        </p:style>
+        <p:txBody>
+          <a:bodyPr rtlCol="0" anchor="ctr"/>
+          <a:lstStyle/>
+          <a:p>
+            <a:pPr algn="ctr"/>
+            <a:r>
+              <a:rPr lang="en-US" sz="1200" dirty="0">
+                <a:solidFill>
+                  <a:schemeClr val="tx1"/>
+                </a:solidFill>
+              </a:rPr>
+              <a:t>*sect0</a:t>
+            </a:r>
+          </a:p>
+        </p:txBody>
+      </p:sp>
+      <p:sp>
+        <p:nvSpPr>
+          <p:cNvPr id="76" name="Rectangle 75">
+            <a:extLst>
+              <a:ext uri="{FF2B5EF4-FFF2-40B4-BE49-F238E27FC236}">
+                <a16:creationId xmlns:a16="http://schemas.microsoft.com/office/drawing/2014/main" id="{0F2BE6DA-AADB-4500-94C0-FE83CB86876E}"/>
+              </a:ext>
+            </a:extLst>
+          </p:cNvPr>
+          <p:cNvSpPr/>
+          <p:nvPr/>
+        </p:nvSpPr>
+        <p:spPr>
+          <a:xfrm>
+            <a:off x="2729894" y="4027258"/>
+            <a:ext cx="655887" cy="276999"/>
+          </a:xfrm>
+          <a:prstGeom prst="rect">
+            <a:avLst/>
+          </a:prstGeom>
+          <a:solidFill>
+            <a:schemeClr val="bg1">
+              <a:lumMod val="95000"/>
+            </a:schemeClr>
+          </a:solidFill>
+        </p:spPr>
+        <p:style>
+          <a:lnRef idx="2">
+            <a:schemeClr val="accent1">
+              <a:shade val="50000"/>
+            </a:schemeClr>
+          </a:lnRef>
+          <a:fillRef idx="1">
+            <a:schemeClr val="accent1"/>
+          </a:fillRef>
+          <a:effectRef idx="0">
+            <a:schemeClr val="accent1"/>
+          </a:effectRef>
+          <a:fontRef idx="minor">
+            <a:schemeClr val="lt1"/>
+          </a:fontRef>
+        </p:style>
+        <p:txBody>
+          <a:bodyPr rtlCol="0" anchor="ctr"/>
+          <a:lstStyle/>
+          <a:p>
+            <a:pPr algn="ctr"/>
+            <a:r>
+              <a:rPr lang="en-US" sz="1200" dirty="0">
+                <a:solidFill>
+                  <a:schemeClr val="tx1"/>
+                </a:solidFill>
+              </a:rPr>
+              <a:t>*sect1</a:t>
+            </a:r>
+          </a:p>
+        </p:txBody>
+      </p:sp>
+      <p:sp>
+        <p:nvSpPr>
+          <p:cNvPr id="77" name="Rectangle 76">
+            <a:extLst>
+              <a:ext uri="{FF2B5EF4-FFF2-40B4-BE49-F238E27FC236}">
+                <a16:creationId xmlns:a16="http://schemas.microsoft.com/office/drawing/2014/main" id="{9F3D8E03-5355-42E4-B54D-2ADD29C1A88A}"/>
+              </a:ext>
+            </a:extLst>
+          </p:cNvPr>
+          <p:cNvSpPr/>
+          <p:nvPr/>
+        </p:nvSpPr>
+        <p:spPr>
+          <a:xfrm>
+            <a:off x="2724936" y="4636103"/>
+            <a:ext cx="655886" cy="276999"/>
+          </a:xfrm>
+          <a:prstGeom prst="rect">
+            <a:avLst/>
+          </a:prstGeom>
+          <a:solidFill>
+            <a:schemeClr val="bg1">
+              <a:lumMod val="95000"/>
+            </a:schemeClr>
+          </a:solidFill>
+        </p:spPr>
+        <p:style>
+          <a:lnRef idx="2">
+            <a:schemeClr val="accent1">
+              <a:shade val="50000"/>
+            </a:schemeClr>
+          </a:lnRef>
+          <a:fillRef idx="1">
+            <a:schemeClr val="accent1"/>
+          </a:fillRef>
+          <a:effectRef idx="0">
+            <a:schemeClr val="accent1"/>
+          </a:effectRef>
+          <a:fontRef idx="minor">
+            <a:schemeClr val="lt1"/>
+          </a:fontRef>
+        </p:style>
+        <p:txBody>
+          <a:bodyPr rtlCol="0" anchor="ctr"/>
+          <a:lstStyle/>
+          <a:p>
+            <a:pPr algn="ctr"/>
+            <a:r>
+              <a:rPr lang="en-US" sz="1200" dirty="0">
+                <a:solidFill>
+                  <a:schemeClr val="tx1"/>
+                </a:solidFill>
+              </a:rPr>
+              <a:t>*sect2</a:t>
+            </a:r>
+          </a:p>
+        </p:txBody>
+      </p:sp>
+      <p:sp>
+        <p:nvSpPr>
+          <p:cNvPr id="78" name="Rectangle 77">
+            <a:extLst>
+              <a:ext uri="{FF2B5EF4-FFF2-40B4-BE49-F238E27FC236}">
+                <a16:creationId xmlns:a16="http://schemas.microsoft.com/office/drawing/2014/main" id="{DE4D4AAD-A33E-49F8-9298-420DE88917E4}"/>
+              </a:ext>
+            </a:extLst>
+          </p:cNvPr>
+          <p:cNvSpPr/>
+          <p:nvPr/>
+        </p:nvSpPr>
+        <p:spPr>
+          <a:xfrm>
+            <a:off x="2723341" y="5231992"/>
+            <a:ext cx="662437" cy="276999"/>
+          </a:xfrm>
+          <a:prstGeom prst="rect">
+            <a:avLst/>
+          </a:prstGeom>
+          <a:solidFill>
+            <a:schemeClr val="bg1">
+              <a:lumMod val="95000"/>
+            </a:schemeClr>
+          </a:solidFill>
+        </p:spPr>
+        <p:style>
+          <a:lnRef idx="2">
+            <a:schemeClr val="accent1">
+              <a:shade val="50000"/>
+            </a:schemeClr>
+          </a:lnRef>
+          <a:fillRef idx="1">
+            <a:schemeClr val="accent1"/>
+          </a:fillRef>
+          <a:effectRef idx="0">
+            <a:schemeClr val="accent1"/>
+          </a:effectRef>
+          <a:fontRef idx="minor">
+            <a:schemeClr val="lt1"/>
+          </a:fontRef>
+        </p:style>
+        <p:txBody>
+          <a:bodyPr rtlCol="0" anchor="ctr"/>
+          <a:lstStyle/>
+          <a:p>
+            <a:pPr algn="ctr"/>
+            <a:r>
+              <a:rPr lang="en-US" sz="1200" dirty="0">
+                <a:solidFill>
+                  <a:schemeClr val="tx1"/>
+                </a:solidFill>
+              </a:rPr>
+              <a:t>*sect3</a:t>
+            </a:r>
+          </a:p>
+        </p:txBody>
+      </p:sp>
+      <p:cxnSp>
+        <p:nvCxnSpPr>
+          <p:cNvPr id="4" name="Straight Connector 3">
+            <a:extLst>
+              <a:ext uri="{FF2B5EF4-FFF2-40B4-BE49-F238E27FC236}">
+                <a16:creationId xmlns:a16="http://schemas.microsoft.com/office/drawing/2014/main" id="{2AB19B74-CBE2-4A7C-98C1-86B8371DE812}"/>
+              </a:ext>
+            </a:extLst>
+          </p:cNvPr>
+          <p:cNvCxnSpPr>
+            <a:cxnSpLocks/>
+          </p:cNvCxnSpPr>
+          <p:nvPr/>
+        </p:nvCxnSpPr>
+        <p:spPr>
+          <a:xfrm>
+            <a:off x="2479049" y="3103045"/>
+            <a:ext cx="9629" cy="2291915"/>
+          </a:xfrm>
+          <a:prstGeom prst="line">
+            <a:avLst/>
+          </a:prstGeom>
+          <a:ln w="12700">
+            <a:solidFill>
+              <a:schemeClr val="tx1"/>
+            </a:solidFill>
+            <a:tailEnd type="none"/>
+          </a:ln>
+        </p:spPr>
+        <p:style>
+          <a:lnRef idx="1">
+            <a:schemeClr val="accent1"/>
+          </a:lnRef>
+          <a:fillRef idx="0">
+            <a:schemeClr val="accent1"/>
+          </a:fillRef>
+          <a:effectRef idx="0">
+            <a:schemeClr val="accent1"/>
+          </a:effectRef>
+          <a:fontRef idx="minor">
+            <a:schemeClr val="tx1"/>
+          </a:fontRef>
+        </p:style>
+      </p:cxnSp>
+      <p:cxnSp>
+        <p:nvCxnSpPr>
+          <p:cNvPr id="6" name="Straight Arrow Connector 5">
+            <a:extLst>
+              <a:ext uri="{FF2B5EF4-FFF2-40B4-BE49-F238E27FC236}">
+                <a16:creationId xmlns:a16="http://schemas.microsoft.com/office/drawing/2014/main" id="{7177B1E7-46F7-4F8B-ACAE-B7939EA9D533}"/>
+              </a:ext>
+            </a:extLst>
+          </p:cNvPr>
+          <p:cNvCxnSpPr>
+            <a:cxnSpLocks/>
+            <a:stCxn id="74" idx="1"/>
+          </p:cNvCxnSpPr>
+          <p:nvPr/>
+        </p:nvCxnSpPr>
+        <p:spPr>
+          <a:xfrm flipH="1">
+            <a:off x="2488578" y="3565689"/>
+            <a:ext cx="241316" cy="3442"/>
+          </a:xfrm>
+          <a:prstGeom prst="straightConnector1">
+            <a:avLst/>
+          </a:prstGeom>
+          <a:ln w="12700">
+            <a:solidFill>
+              <a:schemeClr val="tx1"/>
+            </a:solidFill>
+            <a:headEnd type="triangle"/>
+            <a:tailEnd type="triangle"/>
+          </a:ln>
+        </p:spPr>
+        <p:style>
+          <a:lnRef idx="1">
+            <a:schemeClr val="accent1"/>
+          </a:lnRef>
+          <a:fillRef idx="0">
+            <a:schemeClr val="accent1"/>
+          </a:fillRef>
+          <a:effectRef idx="0">
+            <a:schemeClr val="accent1"/>
+          </a:effectRef>
+          <a:fontRef idx="minor">
+            <a:schemeClr val="tx1"/>
+          </a:fontRef>
+        </p:style>
+      </p:cxnSp>
+      <p:cxnSp>
+        <p:nvCxnSpPr>
+          <p:cNvPr id="79" name="Straight Arrow Connector 78">
+            <a:extLst>
+              <a:ext uri="{FF2B5EF4-FFF2-40B4-BE49-F238E27FC236}">
+                <a16:creationId xmlns:a16="http://schemas.microsoft.com/office/drawing/2014/main" id="{0138B743-286A-449E-9572-6794917E75AE}"/>
+              </a:ext>
+            </a:extLst>
+          </p:cNvPr>
+          <p:cNvCxnSpPr>
+            <a:cxnSpLocks/>
+          </p:cNvCxnSpPr>
+          <p:nvPr/>
+        </p:nvCxnSpPr>
+        <p:spPr>
+          <a:xfrm flipH="1">
+            <a:off x="2493213" y="4175554"/>
+            <a:ext cx="241319" cy="3442"/>
+          </a:xfrm>
+          <a:prstGeom prst="straightConnector1">
+            <a:avLst/>
+          </a:prstGeom>
+          <a:ln w="12700">
+            <a:solidFill>
+              <a:schemeClr val="tx1"/>
+            </a:solidFill>
+            <a:headEnd type="triangle"/>
+            <a:tailEnd type="triangle"/>
+          </a:ln>
+        </p:spPr>
+        <p:style>
+          <a:lnRef idx="1">
+            <a:schemeClr val="accent1"/>
+          </a:lnRef>
+          <a:fillRef idx="0">
+            <a:schemeClr val="accent1"/>
+          </a:fillRef>
+          <a:effectRef idx="0">
+            <a:schemeClr val="accent1"/>
+          </a:effectRef>
+          <a:fontRef idx="minor">
+            <a:schemeClr val="tx1"/>
+          </a:fontRef>
+        </p:style>
+      </p:cxnSp>
+      <p:cxnSp>
+        <p:nvCxnSpPr>
+          <p:cNvPr id="80" name="Straight Arrow Connector 79">
+            <a:extLst>
+              <a:ext uri="{FF2B5EF4-FFF2-40B4-BE49-F238E27FC236}">
+                <a16:creationId xmlns:a16="http://schemas.microsoft.com/office/drawing/2014/main" id="{B1F4C3FA-5E61-4BC2-88AA-C6FB765BF8BC}"/>
+              </a:ext>
+            </a:extLst>
+          </p:cNvPr>
+          <p:cNvCxnSpPr>
+            <a:cxnSpLocks/>
+          </p:cNvCxnSpPr>
+          <p:nvPr/>
+        </p:nvCxnSpPr>
+        <p:spPr>
+          <a:xfrm flipH="1">
+            <a:off x="2483651" y="4769580"/>
+            <a:ext cx="241319" cy="3442"/>
+          </a:xfrm>
+          <a:prstGeom prst="straightConnector1">
+            <a:avLst/>
+          </a:prstGeom>
+          <a:ln w="12700">
+            <a:solidFill>
+              <a:schemeClr val="tx1"/>
+            </a:solidFill>
+            <a:headEnd type="triangle"/>
+            <a:tailEnd type="triangle"/>
+          </a:ln>
+        </p:spPr>
+        <p:style>
+          <a:lnRef idx="1">
+            <a:schemeClr val="accent1"/>
+          </a:lnRef>
+          <a:fillRef idx="0">
+            <a:schemeClr val="accent1"/>
+          </a:fillRef>
+          <a:effectRef idx="0">
+            <a:schemeClr val="accent1"/>
+          </a:effectRef>
+          <a:fontRef idx="minor">
+            <a:schemeClr val="tx1"/>
+          </a:fontRef>
+        </p:style>
+      </p:cxnSp>
+      <p:cxnSp>
+        <p:nvCxnSpPr>
+          <p:cNvPr id="81" name="Straight Arrow Connector 80">
+            <a:extLst>
+              <a:ext uri="{FF2B5EF4-FFF2-40B4-BE49-F238E27FC236}">
+                <a16:creationId xmlns:a16="http://schemas.microsoft.com/office/drawing/2014/main" id="{E6F7F9BE-C012-4F2F-A57A-B13A99233643}"/>
+              </a:ext>
+            </a:extLst>
+          </p:cNvPr>
+          <p:cNvCxnSpPr>
+            <a:cxnSpLocks/>
+          </p:cNvCxnSpPr>
+          <p:nvPr/>
+        </p:nvCxnSpPr>
+        <p:spPr>
+          <a:xfrm flipH="1">
+            <a:off x="2483650" y="5377001"/>
+            <a:ext cx="241319" cy="3442"/>
+          </a:xfrm>
+          <a:prstGeom prst="straightConnector1">
+            <a:avLst/>
+          </a:prstGeom>
+          <a:ln w="12700">
+            <a:solidFill>
+              <a:schemeClr val="tx1"/>
+            </a:solidFill>
+            <a:headEnd type="triangle"/>
             <a:tailEnd type="triangle"/>
           </a:ln>
         </p:spPr>
